--- a/ppt 16-9/1586.你的目光要转.pptx
+++ b/ppt 16-9/1586.你的目光要转.pptx
@@ -129,7 +129,7 @@
           <p:cNvPr id="2" name="标题 1">
             <a:extLst>
               <a:ext uri="{FF2B5EF4-FFF2-40B4-BE49-F238E27FC236}">
-                <a16:creationId xmlns:a16="http://schemas.microsoft.com/office/drawing/2014/main" id="{D4782786-9712-8873-6A97-DA9F55C004DC}"/>
+                <a16:creationId xmlns:a16="http://schemas.microsoft.com/office/drawing/2014/main" id="{D5073E46-8B09-AC4D-247A-C009DD009ABA}"/>
               </a:ext>
             </a:extLst>
           </p:cNvPr>
@@ -166,7 +166,7 @@
           <p:cNvPr id="3" name="副标题 2">
             <a:extLst>
               <a:ext uri="{FF2B5EF4-FFF2-40B4-BE49-F238E27FC236}">
-                <a16:creationId xmlns:a16="http://schemas.microsoft.com/office/drawing/2014/main" id="{454487C9-F94D-3A96-CD98-5A7DC882A622}"/>
+                <a16:creationId xmlns:a16="http://schemas.microsoft.com/office/drawing/2014/main" id="{1F84E4EB-16BD-21E7-A940-499152B85DA4}"/>
               </a:ext>
             </a:extLst>
           </p:cNvPr>
@@ -236,7 +236,7 @@
           <p:cNvPr id="4" name="日期占位符 3">
             <a:extLst>
               <a:ext uri="{FF2B5EF4-FFF2-40B4-BE49-F238E27FC236}">
-                <a16:creationId xmlns:a16="http://schemas.microsoft.com/office/drawing/2014/main" id="{220E473D-47B6-E203-0996-07A6D236FC9C}"/>
+                <a16:creationId xmlns:a16="http://schemas.microsoft.com/office/drawing/2014/main" id="{2786DB28-3B65-EB57-FFB9-3BF0D4005976}"/>
               </a:ext>
             </a:extLst>
           </p:cNvPr>
@@ -252,7 +252,7 @@
           <a:bodyPr/>
           <a:lstStyle/>
           <a:p>
-            <a:fld id="{7F3F5D5F-C4EA-4517-8374-802A2584757A}" type="datetimeFigureOut">
+            <a:fld id="{AEA81FD3-B1B2-4269-B9DD-0D986E72E374}" type="datetimeFigureOut">
               <a:rPr lang="zh-CN" altLang="en-US" smtClean="0"/>
               <a:t>2024/3/10</a:t>
             </a:fld>
@@ -265,7 +265,7 @@
           <p:cNvPr id="5" name="页脚占位符 4">
             <a:extLst>
               <a:ext uri="{FF2B5EF4-FFF2-40B4-BE49-F238E27FC236}">
-                <a16:creationId xmlns:a16="http://schemas.microsoft.com/office/drawing/2014/main" id="{8C8D8197-834F-5EFB-DD46-F96E2C46D9DE}"/>
+                <a16:creationId xmlns:a16="http://schemas.microsoft.com/office/drawing/2014/main" id="{EA251321-01C6-3BD3-B1BA-F431A7420322}"/>
               </a:ext>
             </a:extLst>
           </p:cNvPr>
@@ -290,7 +290,7 @@
           <p:cNvPr id="6" name="灯片编号占位符 5">
             <a:extLst>
               <a:ext uri="{FF2B5EF4-FFF2-40B4-BE49-F238E27FC236}">
-                <a16:creationId xmlns:a16="http://schemas.microsoft.com/office/drawing/2014/main" id="{DB775150-228F-55EF-09BE-228D1E7760FA}"/>
+                <a16:creationId xmlns:a16="http://schemas.microsoft.com/office/drawing/2014/main" id="{DA228A76-43A8-49BF-11E7-3DACB1336304}"/>
               </a:ext>
             </a:extLst>
           </p:cNvPr>
@@ -306,7 +306,7 @@
           <a:bodyPr/>
           <a:lstStyle/>
           <a:p>
-            <a:fld id="{4B5632C4-D04A-4E20-8B5E-A605DA89A315}" type="slidenum">
+            <a:fld id="{A79A2D81-F956-4855-9BF2-282D8572403B}" type="slidenum">
               <a:rPr lang="zh-CN" altLang="en-US" smtClean="0"/>
               <a:t>‹#›</a:t>
             </a:fld>
@@ -317,7 +317,7 @@
     </p:spTree>
     <p:extLst>
       <p:ext uri="{BB962C8B-B14F-4D97-AF65-F5344CB8AC3E}">
-        <p14:creationId xmlns:p14="http://schemas.microsoft.com/office/powerpoint/2010/main" val="2618177993"/>
+        <p14:creationId xmlns:p14="http://schemas.microsoft.com/office/powerpoint/2010/main" val="2228903469"/>
       </p:ext>
     </p:extLst>
   </p:cSld>
@@ -349,7 +349,7 @@
           <p:cNvPr id="2" name="标题 1">
             <a:extLst>
               <a:ext uri="{FF2B5EF4-FFF2-40B4-BE49-F238E27FC236}">
-                <a16:creationId xmlns:a16="http://schemas.microsoft.com/office/drawing/2014/main" id="{7623A288-FC03-BC94-7857-FE5B91D76F5A}"/>
+                <a16:creationId xmlns:a16="http://schemas.microsoft.com/office/drawing/2014/main" id="{B41441E7-A18E-77E0-A5A6-976D07B0D671}"/>
               </a:ext>
             </a:extLst>
           </p:cNvPr>
@@ -377,7 +377,7 @@
           <p:cNvPr id="3" name="竖排文字占位符 2">
             <a:extLst>
               <a:ext uri="{FF2B5EF4-FFF2-40B4-BE49-F238E27FC236}">
-                <a16:creationId xmlns:a16="http://schemas.microsoft.com/office/drawing/2014/main" id="{CE6E314D-EAF5-1067-67D4-4393BE538BB8}"/>
+                <a16:creationId xmlns:a16="http://schemas.microsoft.com/office/drawing/2014/main" id="{013406A3-8065-4627-246D-17C59B0ECAF1}"/>
               </a:ext>
             </a:extLst>
           </p:cNvPr>
@@ -434,7 +434,7 @@
           <p:cNvPr id="4" name="日期占位符 3">
             <a:extLst>
               <a:ext uri="{FF2B5EF4-FFF2-40B4-BE49-F238E27FC236}">
-                <a16:creationId xmlns:a16="http://schemas.microsoft.com/office/drawing/2014/main" id="{3052BCEA-B90A-1339-6E72-CD66D32999A4}"/>
+                <a16:creationId xmlns:a16="http://schemas.microsoft.com/office/drawing/2014/main" id="{623DE15B-F6DB-95C3-3AE3-FDF4339BC91C}"/>
               </a:ext>
             </a:extLst>
           </p:cNvPr>
@@ -450,7 +450,7 @@
           <a:bodyPr/>
           <a:lstStyle/>
           <a:p>
-            <a:fld id="{7F3F5D5F-C4EA-4517-8374-802A2584757A}" type="datetimeFigureOut">
+            <a:fld id="{AEA81FD3-B1B2-4269-B9DD-0D986E72E374}" type="datetimeFigureOut">
               <a:rPr lang="zh-CN" altLang="en-US" smtClean="0"/>
               <a:t>2024/3/10</a:t>
             </a:fld>
@@ -463,7 +463,7 @@
           <p:cNvPr id="5" name="页脚占位符 4">
             <a:extLst>
               <a:ext uri="{FF2B5EF4-FFF2-40B4-BE49-F238E27FC236}">
-                <a16:creationId xmlns:a16="http://schemas.microsoft.com/office/drawing/2014/main" id="{6FC34154-51F8-89DE-6246-81934D629F9B}"/>
+                <a16:creationId xmlns:a16="http://schemas.microsoft.com/office/drawing/2014/main" id="{55DDF715-5752-0BC0-110A-6C49F95DA744}"/>
               </a:ext>
             </a:extLst>
           </p:cNvPr>
@@ -488,7 +488,7 @@
           <p:cNvPr id="6" name="灯片编号占位符 5">
             <a:extLst>
               <a:ext uri="{FF2B5EF4-FFF2-40B4-BE49-F238E27FC236}">
-                <a16:creationId xmlns:a16="http://schemas.microsoft.com/office/drawing/2014/main" id="{971EEC47-2F9B-1524-18F8-B7EA23B3D2D7}"/>
+                <a16:creationId xmlns:a16="http://schemas.microsoft.com/office/drawing/2014/main" id="{CCFB97B8-EEA9-25C0-77AA-ECD594A116D7}"/>
               </a:ext>
             </a:extLst>
           </p:cNvPr>
@@ -504,7 +504,7 @@
           <a:bodyPr/>
           <a:lstStyle/>
           <a:p>
-            <a:fld id="{4B5632C4-D04A-4E20-8B5E-A605DA89A315}" type="slidenum">
+            <a:fld id="{A79A2D81-F956-4855-9BF2-282D8572403B}" type="slidenum">
               <a:rPr lang="zh-CN" altLang="en-US" smtClean="0"/>
               <a:t>‹#›</a:t>
             </a:fld>
@@ -515,7 +515,7 @@
     </p:spTree>
     <p:extLst>
       <p:ext uri="{BB962C8B-B14F-4D97-AF65-F5344CB8AC3E}">
-        <p14:creationId xmlns:p14="http://schemas.microsoft.com/office/powerpoint/2010/main" val="202077293"/>
+        <p14:creationId xmlns:p14="http://schemas.microsoft.com/office/powerpoint/2010/main" val="3333253014"/>
       </p:ext>
     </p:extLst>
   </p:cSld>
@@ -547,7 +547,7 @@
           <p:cNvPr id="2" name="竖排标题 1">
             <a:extLst>
               <a:ext uri="{FF2B5EF4-FFF2-40B4-BE49-F238E27FC236}">
-                <a16:creationId xmlns:a16="http://schemas.microsoft.com/office/drawing/2014/main" id="{02A2CE80-FFC0-BD53-5E50-2B5EEBE8C8D8}"/>
+                <a16:creationId xmlns:a16="http://schemas.microsoft.com/office/drawing/2014/main" id="{856098BD-7E3C-7319-6CEC-5B9B42544E8C}"/>
               </a:ext>
             </a:extLst>
           </p:cNvPr>
@@ -580,7 +580,7 @@
           <p:cNvPr id="3" name="竖排文字占位符 2">
             <a:extLst>
               <a:ext uri="{FF2B5EF4-FFF2-40B4-BE49-F238E27FC236}">
-                <a16:creationId xmlns:a16="http://schemas.microsoft.com/office/drawing/2014/main" id="{0F63EB57-BF51-05A5-6246-BF869C27111C}"/>
+                <a16:creationId xmlns:a16="http://schemas.microsoft.com/office/drawing/2014/main" id="{6F478B33-7E27-0E3E-898A-07466D1D84BA}"/>
               </a:ext>
             </a:extLst>
           </p:cNvPr>
@@ -642,7 +642,7 @@
           <p:cNvPr id="4" name="日期占位符 3">
             <a:extLst>
               <a:ext uri="{FF2B5EF4-FFF2-40B4-BE49-F238E27FC236}">
-                <a16:creationId xmlns:a16="http://schemas.microsoft.com/office/drawing/2014/main" id="{C4214848-961C-D421-1448-627A6DDE7B8D}"/>
+                <a16:creationId xmlns:a16="http://schemas.microsoft.com/office/drawing/2014/main" id="{373A35EB-0985-6A50-C420-AE81E1026E94}"/>
               </a:ext>
             </a:extLst>
           </p:cNvPr>
@@ -658,7 +658,7 @@
           <a:bodyPr/>
           <a:lstStyle/>
           <a:p>
-            <a:fld id="{7F3F5D5F-C4EA-4517-8374-802A2584757A}" type="datetimeFigureOut">
+            <a:fld id="{AEA81FD3-B1B2-4269-B9DD-0D986E72E374}" type="datetimeFigureOut">
               <a:rPr lang="zh-CN" altLang="en-US" smtClean="0"/>
               <a:t>2024/3/10</a:t>
             </a:fld>
@@ -671,7 +671,7 @@
           <p:cNvPr id="5" name="页脚占位符 4">
             <a:extLst>
               <a:ext uri="{FF2B5EF4-FFF2-40B4-BE49-F238E27FC236}">
-                <a16:creationId xmlns:a16="http://schemas.microsoft.com/office/drawing/2014/main" id="{1FF2C5AD-18D2-AAF1-F97C-BA46F20044FE}"/>
+                <a16:creationId xmlns:a16="http://schemas.microsoft.com/office/drawing/2014/main" id="{4833FE97-E284-5472-EE3B-5B9DF14C01F0}"/>
               </a:ext>
             </a:extLst>
           </p:cNvPr>
@@ -696,7 +696,7 @@
           <p:cNvPr id="6" name="灯片编号占位符 5">
             <a:extLst>
               <a:ext uri="{FF2B5EF4-FFF2-40B4-BE49-F238E27FC236}">
-                <a16:creationId xmlns:a16="http://schemas.microsoft.com/office/drawing/2014/main" id="{D03F5EB1-BCCF-B6D2-F90F-D0D7D8BBEAF1}"/>
+                <a16:creationId xmlns:a16="http://schemas.microsoft.com/office/drawing/2014/main" id="{AF3B31E2-2619-D3F1-AB8E-7B6BF11A84FF}"/>
               </a:ext>
             </a:extLst>
           </p:cNvPr>
@@ -712,7 +712,7 @@
           <a:bodyPr/>
           <a:lstStyle/>
           <a:p>
-            <a:fld id="{4B5632C4-D04A-4E20-8B5E-A605DA89A315}" type="slidenum">
+            <a:fld id="{A79A2D81-F956-4855-9BF2-282D8572403B}" type="slidenum">
               <a:rPr lang="zh-CN" altLang="en-US" smtClean="0"/>
               <a:t>‹#›</a:t>
             </a:fld>
@@ -723,7 +723,7 @@
     </p:spTree>
     <p:extLst>
       <p:ext uri="{BB962C8B-B14F-4D97-AF65-F5344CB8AC3E}">
-        <p14:creationId xmlns:p14="http://schemas.microsoft.com/office/powerpoint/2010/main" val="2388342524"/>
+        <p14:creationId xmlns:p14="http://schemas.microsoft.com/office/powerpoint/2010/main" val="1215064446"/>
       </p:ext>
     </p:extLst>
   </p:cSld>
@@ -755,7 +755,7 @@
           <p:cNvPr id="2" name="标题 1">
             <a:extLst>
               <a:ext uri="{FF2B5EF4-FFF2-40B4-BE49-F238E27FC236}">
-                <a16:creationId xmlns:a16="http://schemas.microsoft.com/office/drawing/2014/main" id="{D1E5FD8E-9F35-6FF4-D538-95AE1FA552EA}"/>
+                <a16:creationId xmlns:a16="http://schemas.microsoft.com/office/drawing/2014/main" id="{6E0F492F-C304-5CFB-3E3F-AC35B33ABD6D}"/>
               </a:ext>
             </a:extLst>
           </p:cNvPr>
@@ -783,7 +783,7 @@
           <p:cNvPr id="3" name="内容占位符 2">
             <a:extLst>
               <a:ext uri="{FF2B5EF4-FFF2-40B4-BE49-F238E27FC236}">
-                <a16:creationId xmlns:a16="http://schemas.microsoft.com/office/drawing/2014/main" id="{AB85145A-9EAE-82FD-EFBD-509E2B650F21}"/>
+                <a16:creationId xmlns:a16="http://schemas.microsoft.com/office/drawing/2014/main" id="{17584F7A-E7FA-400C-5BA6-6DAFBDF077F3}"/>
               </a:ext>
             </a:extLst>
           </p:cNvPr>
@@ -840,7 +840,7 @@
           <p:cNvPr id="4" name="日期占位符 3">
             <a:extLst>
               <a:ext uri="{FF2B5EF4-FFF2-40B4-BE49-F238E27FC236}">
-                <a16:creationId xmlns:a16="http://schemas.microsoft.com/office/drawing/2014/main" id="{89236E54-0FC2-F3E3-A65E-E774A80655DB}"/>
+                <a16:creationId xmlns:a16="http://schemas.microsoft.com/office/drawing/2014/main" id="{358D7023-FE77-F823-673F-CDAECFC8C6CD}"/>
               </a:ext>
             </a:extLst>
           </p:cNvPr>
@@ -856,7 +856,7 @@
           <a:bodyPr/>
           <a:lstStyle/>
           <a:p>
-            <a:fld id="{7F3F5D5F-C4EA-4517-8374-802A2584757A}" type="datetimeFigureOut">
+            <a:fld id="{AEA81FD3-B1B2-4269-B9DD-0D986E72E374}" type="datetimeFigureOut">
               <a:rPr lang="zh-CN" altLang="en-US" smtClean="0"/>
               <a:t>2024/3/10</a:t>
             </a:fld>
@@ -869,7 +869,7 @@
           <p:cNvPr id="5" name="页脚占位符 4">
             <a:extLst>
               <a:ext uri="{FF2B5EF4-FFF2-40B4-BE49-F238E27FC236}">
-                <a16:creationId xmlns:a16="http://schemas.microsoft.com/office/drawing/2014/main" id="{BA1C730E-F500-91B8-ADFE-8B1F17A10DC5}"/>
+                <a16:creationId xmlns:a16="http://schemas.microsoft.com/office/drawing/2014/main" id="{2BDCC6AD-EE4F-A113-1979-06F3618C87B9}"/>
               </a:ext>
             </a:extLst>
           </p:cNvPr>
@@ -894,7 +894,7 @@
           <p:cNvPr id="6" name="灯片编号占位符 5">
             <a:extLst>
               <a:ext uri="{FF2B5EF4-FFF2-40B4-BE49-F238E27FC236}">
-                <a16:creationId xmlns:a16="http://schemas.microsoft.com/office/drawing/2014/main" id="{A5772A80-8438-9B5C-FF53-5401A5DC6D3D}"/>
+                <a16:creationId xmlns:a16="http://schemas.microsoft.com/office/drawing/2014/main" id="{953709B5-3CF4-B1E2-F47C-A0044A84B358}"/>
               </a:ext>
             </a:extLst>
           </p:cNvPr>
@@ -910,7 +910,7 @@
           <a:bodyPr/>
           <a:lstStyle/>
           <a:p>
-            <a:fld id="{4B5632C4-D04A-4E20-8B5E-A605DA89A315}" type="slidenum">
+            <a:fld id="{A79A2D81-F956-4855-9BF2-282D8572403B}" type="slidenum">
               <a:rPr lang="zh-CN" altLang="en-US" smtClean="0"/>
               <a:t>‹#›</a:t>
             </a:fld>
@@ -921,7 +921,7 @@
     </p:spTree>
     <p:extLst>
       <p:ext uri="{BB962C8B-B14F-4D97-AF65-F5344CB8AC3E}">
-        <p14:creationId xmlns:p14="http://schemas.microsoft.com/office/powerpoint/2010/main" val="388129380"/>
+        <p14:creationId xmlns:p14="http://schemas.microsoft.com/office/powerpoint/2010/main" val="935342578"/>
       </p:ext>
     </p:extLst>
   </p:cSld>
@@ -953,7 +953,7 @@
           <p:cNvPr id="2" name="标题 1">
             <a:extLst>
               <a:ext uri="{FF2B5EF4-FFF2-40B4-BE49-F238E27FC236}">
-                <a16:creationId xmlns:a16="http://schemas.microsoft.com/office/drawing/2014/main" id="{9F3A44CF-EE7C-1CF5-0DFF-BAE03AA4AB6E}"/>
+                <a16:creationId xmlns:a16="http://schemas.microsoft.com/office/drawing/2014/main" id="{36207757-E58D-A9F3-2A71-C9D80FC55B8C}"/>
               </a:ext>
             </a:extLst>
           </p:cNvPr>
@@ -990,7 +990,7 @@
           <p:cNvPr id="3" name="文本占位符 2">
             <a:extLst>
               <a:ext uri="{FF2B5EF4-FFF2-40B4-BE49-F238E27FC236}">
-                <a16:creationId xmlns:a16="http://schemas.microsoft.com/office/drawing/2014/main" id="{9A44EBD3-491F-2B38-0567-659311E871D6}"/>
+                <a16:creationId xmlns:a16="http://schemas.microsoft.com/office/drawing/2014/main" id="{E7204634-77E1-DFFB-F789-807E2C674849}"/>
               </a:ext>
             </a:extLst>
           </p:cNvPr>
@@ -1115,7 +1115,7 @@
           <p:cNvPr id="4" name="日期占位符 3">
             <a:extLst>
               <a:ext uri="{FF2B5EF4-FFF2-40B4-BE49-F238E27FC236}">
-                <a16:creationId xmlns:a16="http://schemas.microsoft.com/office/drawing/2014/main" id="{6035AFB4-AFF4-FAF6-6CCC-095111991870}"/>
+                <a16:creationId xmlns:a16="http://schemas.microsoft.com/office/drawing/2014/main" id="{5B6A5BD5-2F48-8F7C-CDF5-351BFAA28BEF}"/>
               </a:ext>
             </a:extLst>
           </p:cNvPr>
@@ -1131,7 +1131,7 @@
           <a:bodyPr/>
           <a:lstStyle/>
           <a:p>
-            <a:fld id="{7F3F5D5F-C4EA-4517-8374-802A2584757A}" type="datetimeFigureOut">
+            <a:fld id="{AEA81FD3-B1B2-4269-B9DD-0D986E72E374}" type="datetimeFigureOut">
               <a:rPr lang="zh-CN" altLang="en-US" smtClean="0"/>
               <a:t>2024/3/10</a:t>
             </a:fld>
@@ -1144,7 +1144,7 @@
           <p:cNvPr id="5" name="页脚占位符 4">
             <a:extLst>
               <a:ext uri="{FF2B5EF4-FFF2-40B4-BE49-F238E27FC236}">
-                <a16:creationId xmlns:a16="http://schemas.microsoft.com/office/drawing/2014/main" id="{7AB0CC3C-5D65-504E-B873-EC47001F7E77}"/>
+                <a16:creationId xmlns:a16="http://schemas.microsoft.com/office/drawing/2014/main" id="{A127013F-C2A7-9601-E1A8-C591B6CCB580}"/>
               </a:ext>
             </a:extLst>
           </p:cNvPr>
@@ -1169,7 +1169,7 @@
           <p:cNvPr id="6" name="灯片编号占位符 5">
             <a:extLst>
               <a:ext uri="{FF2B5EF4-FFF2-40B4-BE49-F238E27FC236}">
-                <a16:creationId xmlns:a16="http://schemas.microsoft.com/office/drawing/2014/main" id="{A55CD0F5-DB05-3DB0-32BA-97FF0FBAB7D7}"/>
+                <a16:creationId xmlns:a16="http://schemas.microsoft.com/office/drawing/2014/main" id="{9D69B0D4-EBAF-E320-787A-F9FF41B968C1}"/>
               </a:ext>
             </a:extLst>
           </p:cNvPr>
@@ -1185,7 +1185,7 @@
           <a:bodyPr/>
           <a:lstStyle/>
           <a:p>
-            <a:fld id="{4B5632C4-D04A-4E20-8B5E-A605DA89A315}" type="slidenum">
+            <a:fld id="{A79A2D81-F956-4855-9BF2-282D8572403B}" type="slidenum">
               <a:rPr lang="zh-CN" altLang="en-US" smtClean="0"/>
               <a:t>‹#›</a:t>
             </a:fld>
@@ -1196,7 +1196,7 @@
     </p:spTree>
     <p:extLst>
       <p:ext uri="{BB962C8B-B14F-4D97-AF65-F5344CB8AC3E}">
-        <p14:creationId xmlns:p14="http://schemas.microsoft.com/office/powerpoint/2010/main" val="2846790427"/>
+        <p14:creationId xmlns:p14="http://schemas.microsoft.com/office/powerpoint/2010/main" val="583719918"/>
       </p:ext>
     </p:extLst>
   </p:cSld>
@@ -1228,7 +1228,7 @@
           <p:cNvPr id="2" name="标题 1">
             <a:extLst>
               <a:ext uri="{FF2B5EF4-FFF2-40B4-BE49-F238E27FC236}">
-                <a16:creationId xmlns:a16="http://schemas.microsoft.com/office/drawing/2014/main" id="{C7A85166-FAA6-50BB-F6B6-805BFC5F7857}"/>
+                <a16:creationId xmlns:a16="http://schemas.microsoft.com/office/drawing/2014/main" id="{00E27247-C573-DDC2-9CDF-A14885A8CE5E}"/>
               </a:ext>
             </a:extLst>
           </p:cNvPr>
@@ -1256,7 +1256,7 @@
           <p:cNvPr id="3" name="内容占位符 2">
             <a:extLst>
               <a:ext uri="{FF2B5EF4-FFF2-40B4-BE49-F238E27FC236}">
-                <a16:creationId xmlns:a16="http://schemas.microsoft.com/office/drawing/2014/main" id="{F5D605F0-4A73-47BE-667F-EEA3F18418DA}"/>
+                <a16:creationId xmlns:a16="http://schemas.microsoft.com/office/drawing/2014/main" id="{B495305C-2535-E594-8F7F-77BCC14FDE3E}"/>
               </a:ext>
             </a:extLst>
           </p:cNvPr>
@@ -1318,7 +1318,7 @@
           <p:cNvPr id="4" name="内容占位符 3">
             <a:extLst>
               <a:ext uri="{FF2B5EF4-FFF2-40B4-BE49-F238E27FC236}">
-                <a16:creationId xmlns:a16="http://schemas.microsoft.com/office/drawing/2014/main" id="{EDD93CF9-ACAB-15C8-8ECB-D8A6DA4FC2E2}"/>
+                <a16:creationId xmlns:a16="http://schemas.microsoft.com/office/drawing/2014/main" id="{74AE2302-6573-5C19-7159-2464F8C1C5ED}"/>
               </a:ext>
             </a:extLst>
           </p:cNvPr>
@@ -1380,7 +1380,7 @@
           <p:cNvPr id="5" name="日期占位符 4">
             <a:extLst>
               <a:ext uri="{FF2B5EF4-FFF2-40B4-BE49-F238E27FC236}">
-                <a16:creationId xmlns:a16="http://schemas.microsoft.com/office/drawing/2014/main" id="{42E63B92-622F-1A89-3E06-4A713F1A82A2}"/>
+                <a16:creationId xmlns:a16="http://schemas.microsoft.com/office/drawing/2014/main" id="{A8BB5C94-4EE9-4FAC-6163-3A8E68A18F98}"/>
               </a:ext>
             </a:extLst>
           </p:cNvPr>
@@ -1396,7 +1396,7 @@
           <a:bodyPr/>
           <a:lstStyle/>
           <a:p>
-            <a:fld id="{7F3F5D5F-C4EA-4517-8374-802A2584757A}" type="datetimeFigureOut">
+            <a:fld id="{AEA81FD3-B1B2-4269-B9DD-0D986E72E374}" type="datetimeFigureOut">
               <a:rPr lang="zh-CN" altLang="en-US" smtClean="0"/>
               <a:t>2024/3/10</a:t>
             </a:fld>
@@ -1409,7 +1409,7 @@
           <p:cNvPr id="6" name="页脚占位符 5">
             <a:extLst>
               <a:ext uri="{FF2B5EF4-FFF2-40B4-BE49-F238E27FC236}">
-                <a16:creationId xmlns:a16="http://schemas.microsoft.com/office/drawing/2014/main" id="{19D83CF0-24DB-5659-351D-617793A1C541}"/>
+                <a16:creationId xmlns:a16="http://schemas.microsoft.com/office/drawing/2014/main" id="{7B07473B-24C2-B70E-5F4D-5486C0167A91}"/>
               </a:ext>
             </a:extLst>
           </p:cNvPr>
@@ -1434,7 +1434,7 @@
           <p:cNvPr id="7" name="灯片编号占位符 6">
             <a:extLst>
               <a:ext uri="{FF2B5EF4-FFF2-40B4-BE49-F238E27FC236}">
-                <a16:creationId xmlns:a16="http://schemas.microsoft.com/office/drawing/2014/main" id="{373DE828-EEAD-C8F4-182F-4413DFFF2E45}"/>
+                <a16:creationId xmlns:a16="http://schemas.microsoft.com/office/drawing/2014/main" id="{B457BBE2-485A-C740-25C1-5A4049450F7C}"/>
               </a:ext>
             </a:extLst>
           </p:cNvPr>
@@ -1450,7 +1450,7 @@
           <a:bodyPr/>
           <a:lstStyle/>
           <a:p>
-            <a:fld id="{4B5632C4-D04A-4E20-8B5E-A605DA89A315}" type="slidenum">
+            <a:fld id="{A79A2D81-F956-4855-9BF2-282D8572403B}" type="slidenum">
               <a:rPr lang="zh-CN" altLang="en-US" smtClean="0"/>
               <a:t>‹#›</a:t>
             </a:fld>
@@ -1461,7 +1461,7 @@
     </p:spTree>
     <p:extLst>
       <p:ext uri="{BB962C8B-B14F-4D97-AF65-F5344CB8AC3E}">
-        <p14:creationId xmlns:p14="http://schemas.microsoft.com/office/powerpoint/2010/main" val="4270737075"/>
+        <p14:creationId xmlns:p14="http://schemas.microsoft.com/office/powerpoint/2010/main" val="3861231303"/>
       </p:ext>
     </p:extLst>
   </p:cSld>
@@ -1493,7 +1493,7 @@
           <p:cNvPr id="2" name="标题 1">
             <a:extLst>
               <a:ext uri="{FF2B5EF4-FFF2-40B4-BE49-F238E27FC236}">
-                <a16:creationId xmlns:a16="http://schemas.microsoft.com/office/drawing/2014/main" id="{A2D8EFAE-3C1E-96D2-526A-2F6DABAE892A}"/>
+                <a16:creationId xmlns:a16="http://schemas.microsoft.com/office/drawing/2014/main" id="{B079E5B4-D1AD-AAA6-64C7-4A08C5136752}"/>
               </a:ext>
             </a:extLst>
           </p:cNvPr>
@@ -1526,7 +1526,7 @@
           <p:cNvPr id="3" name="文本占位符 2">
             <a:extLst>
               <a:ext uri="{FF2B5EF4-FFF2-40B4-BE49-F238E27FC236}">
-                <a16:creationId xmlns:a16="http://schemas.microsoft.com/office/drawing/2014/main" id="{BA2B03B5-E037-CC26-D2CB-9F901107B395}"/>
+                <a16:creationId xmlns:a16="http://schemas.microsoft.com/office/drawing/2014/main" id="{16AFB449-6828-7201-9E3F-ADA588229158}"/>
               </a:ext>
             </a:extLst>
           </p:cNvPr>
@@ -1597,7 +1597,7 @@
           <p:cNvPr id="4" name="内容占位符 3">
             <a:extLst>
               <a:ext uri="{FF2B5EF4-FFF2-40B4-BE49-F238E27FC236}">
-                <a16:creationId xmlns:a16="http://schemas.microsoft.com/office/drawing/2014/main" id="{E49BD998-33CC-1786-BF07-3124AE561B5D}"/>
+                <a16:creationId xmlns:a16="http://schemas.microsoft.com/office/drawing/2014/main" id="{7F1562C3-D9F0-0394-9AF1-03580A4F57E3}"/>
               </a:ext>
             </a:extLst>
           </p:cNvPr>
@@ -1659,7 +1659,7 @@
           <p:cNvPr id="5" name="文本占位符 4">
             <a:extLst>
               <a:ext uri="{FF2B5EF4-FFF2-40B4-BE49-F238E27FC236}">
-                <a16:creationId xmlns:a16="http://schemas.microsoft.com/office/drawing/2014/main" id="{3F82695E-00F0-E887-07F6-B5DD1C015C60}"/>
+                <a16:creationId xmlns:a16="http://schemas.microsoft.com/office/drawing/2014/main" id="{BBC5A40C-8F1D-F83E-556C-4213F38EBBEE}"/>
               </a:ext>
             </a:extLst>
           </p:cNvPr>
@@ -1730,7 +1730,7 @@
           <p:cNvPr id="6" name="内容占位符 5">
             <a:extLst>
               <a:ext uri="{FF2B5EF4-FFF2-40B4-BE49-F238E27FC236}">
-                <a16:creationId xmlns:a16="http://schemas.microsoft.com/office/drawing/2014/main" id="{F8F96A35-12C5-77BF-8A1E-1C3FAF739F1F}"/>
+                <a16:creationId xmlns:a16="http://schemas.microsoft.com/office/drawing/2014/main" id="{FE5FD29E-E1FF-CCE3-CA8E-14864965BC5E}"/>
               </a:ext>
             </a:extLst>
           </p:cNvPr>
@@ -1792,7 +1792,7 @@
           <p:cNvPr id="7" name="日期占位符 6">
             <a:extLst>
               <a:ext uri="{FF2B5EF4-FFF2-40B4-BE49-F238E27FC236}">
-                <a16:creationId xmlns:a16="http://schemas.microsoft.com/office/drawing/2014/main" id="{77C7A5AD-81B4-6344-C750-878DBF5BDD27}"/>
+                <a16:creationId xmlns:a16="http://schemas.microsoft.com/office/drawing/2014/main" id="{13426459-8E6F-B2B8-44FB-9202442536E1}"/>
               </a:ext>
             </a:extLst>
           </p:cNvPr>
@@ -1808,7 +1808,7 @@
           <a:bodyPr/>
           <a:lstStyle/>
           <a:p>
-            <a:fld id="{7F3F5D5F-C4EA-4517-8374-802A2584757A}" type="datetimeFigureOut">
+            <a:fld id="{AEA81FD3-B1B2-4269-B9DD-0D986E72E374}" type="datetimeFigureOut">
               <a:rPr lang="zh-CN" altLang="en-US" smtClean="0"/>
               <a:t>2024/3/10</a:t>
             </a:fld>
@@ -1821,7 +1821,7 @@
           <p:cNvPr id="8" name="页脚占位符 7">
             <a:extLst>
               <a:ext uri="{FF2B5EF4-FFF2-40B4-BE49-F238E27FC236}">
-                <a16:creationId xmlns:a16="http://schemas.microsoft.com/office/drawing/2014/main" id="{3585FEC7-B6F3-2FBC-91B6-4248123939C3}"/>
+                <a16:creationId xmlns:a16="http://schemas.microsoft.com/office/drawing/2014/main" id="{3E22F659-6966-BD1C-DA25-09E683953970}"/>
               </a:ext>
             </a:extLst>
           </p:cNvPr>
@@ -1846,7 +1846,7 @@
           <p:cNvPr id="9" name="灯片编号占位符 8">
             <a:extLst>
               <a:ext uri="{FF2B5EF4-FFF2-40B4-BE49-F238E27FC236}">
-                <a16:creationId xmlns:a16="http://schemas.microsoft.com/office/drawing/2014/main" id="{F7A0F806-66F2-5DD1-AEFF-1102218A8C4B}"/>
+                <a16:creationId xmlns:a16="http://schemas.microsoft.com/office/drawing/2014/main" id="{D011ACD5-6C6C-9C19-966E-F5C21F50313D}"/>
               </a:ext>
             </a:extLst>
           </p:cNvPr>
@@ -1862,7 +1862,7 @@
           <a:bodyPr/>
           <a:lstStyle/>
           <a:p>
-            <a:fld id="{4B5632C4-D04A-4E20-8B5E-A605DA89A315}" type="slidenum">
+            <a:fld id="{A79A2D81-F956-4855-9BF2-282D8572403B}" type="slidenum">
               <a:rPr lang="zh-CN" altLang="en-US" smtClean="0"/>
               <a:t>‹#›</a:t>
             </a:fld>
@@ -1873,7 +1873,7 @@
     </p:spTree>
     <p:extLst>
       <p:ext uri="{BB962C8B-B14F-4D97-AF65-F5344CB8AC3E}">
-        <p14:creationId xmlns:p14="http://schemas.microsoft.com/office/powerpoint/2010/main" val="519249568"/>
+        <p14:creationId xmlns:p14="http://schemas.microsoft.com/office/powerpoint/2010/main" val="3725896513"/>
       </p:ext>
     </p:extLst>
   </p:cSld>
@@ -1905,7 +1905,7 @@
           <p:cNvPr id="2" name="标题 1">
             <a:extLst>
               <a:ext uri="{FF2B5EF4-FFF2-40B4-BE49-F238E27FC236}">
-                <a16:creationId xmlns:a16="http://schemas.microsoft.com/office/drawing/2014/main" id="{23A60127-F60C-04E2-4181-6008347A192E}"/>
+                <a16:creationId xmlns:a16="http://schemas.microsoft.com/office/drawing/2014/main" id="{DA323960-2C5F-FAAC-0F52-3A4BD545059D}"/>
               </a:ext>
             </a:extLst>
           </p:cNvPr>
@@ -1933,7 +1933,7 @@
           <p:cNvPr id="3" name="日期占位符 2">
             <a:extLst>
               <a:ext uri="{FF2B5EF4-FFF2-40B4-BE49-F238E27FC236}">
-                <a16:creationId xmlns:a16="http://schemas.microsoft.com/office/drawing/2014/main" id="{29FFE89F-7BD9-3078-AB9A-0C87D26D541F}"/>
+                <a16:creationId xmlns:a16="http://schemas.microsoft.com/office/drawing/2014/main" id="{448A1AA6-B208-0D99-8BD7-EDDACD774009}"/>
               </a:ext>
             </a:extLst>
           </p:cNvPr>
@@ -1949,7 +1949,7 @@
           <a:bodyPr/>
           <a:lstStyle/>
           <a:p>
-            <a:fld id="{7F3F5D5F-C4EA-4517-8374-802A2584757A}" type="datetimeFigureOut">
+            <a:fld id="{AEA81FD3-B1B2-4269-B9DD-0D986E72E374}" type="datetimeFigureOut">
               <a:rPr lang="zh-CN" altLang="en-US" smtClean="0"/>
               <a:t>2024/3/10</a:t>
             </a:fld>
@@ -1962,7 +1962,7 @@
           <p:cNvPr id="4" name="页脚占位符 3">
             <a:extLst>
               <a:ext uri="{FF2B5EF4-FFF2-40B4-BE49-F238E27FC236}">
-                <a16:creationId xmlns:a16="http://schemas.microsoft.com/office/drawing/2014/main" id="{36F67EB7-3E5E-7D50-2F18-C0FD9E220B4B}"/>
+                <a16:creationId xmlns:a16="http://schemas.microsoft.com/office/drawing/2014/main" id="{E688F11C-0825-3C9D-6A16-C2DE10A4BAC8}"/>
               </a:ext>
             </a:extLst>
           </p:cNvPr>
@@ -1987,7 +1987,7 @@
           <p:cNvPr id="5" name="灯片编号占位符 4">
             <a:extLst>
               <a:ext uri="{FF2B5EF4-FFF2-40B4-BE49-F238E27FC236}">
-                <a16:creationId xmlns:a16="http://schemas.microsoft.com/office/drawing/2014/main" id="{10B68DF1-F840-EB6B-FB60-E0E58BE1C365}"/>
+                <a16:creationId xmlns:a16="http://schemas.microsoft.com/office/drawing/2014/main" id="{3BA6CD55-28A4-851F-6BB6-FCAF75090CCE}"/>
               </a:ext>
             </a:extLst>
           </p:cNvPr>
@@ -2003,7 +2003,7 @@
           <a:bodyPr/>
           <a:lstStyle/>
           <a:p>
-            <a:fld id="{4B5632C4-D04A-4E20-8B5E-A605DA89A315}" type="slidenum">
+            <a:fld id="{A79A2D81-F956-4855-9BF2-282D8572403B}" type="slidenum">
               <a:rPr lang="zh-CN" altLang="en-US" smtClean="0"/>
               <a:t>‹#›</a:t>
             </a:fld>
@@ -2014,7 +2014,7 @@
     </p:spTree>
     <p:extLst>
       <p:ext uri="{BB962C8B-B14F-4D97-AF65-F5344CB8AC3E}">
-        <p14:creationId xmlns:p14="http://schemas.microsoft.com/office/powerpoint/2010/main" val="1971987560"/>
+        <p14:creationId xmlns:p14="http://schemas.microsoft.com/office/powerpoint/2010/main" val="2756403022"/>
       </p:ext>
     </p:extLst>
   </p:cSld>
@@ -2046,7 +2046,7 @@
           <p:cNvPr id="2" name="日期占位符 1">
             <a:extLst>
               <a:ext uri="{FF2B5EF4-FFF2-40B4-BE49-F238E27FC236}">
-                <a16:creationId xmlns:a16="http://schemas.microsoft.com/office/drawing/2014/main" id="{06ACA511-628D-6115-33BC-5A6D96C67DDF}"/>
+                <a16:creationId xmlns:a16="http://schemas.microsoft.com/office/drawing/2014/main" id="{EA2A59DB-5076-9152-101C-B76DF79749E5}"/>
               </a:ext>
             </a:extLst>
           </p:cNvPr>
@@ -2062,7 +2062,7 @@
           <a:bodyPr/>
           <a:lstStyle/>
           <a:p>
-            <a:fld id="{7F3F5D5F-C4EA-4517-8374-802A2584757A}" type="datetimeFigureOut">
+            <a:fld id="{AEA81FD3-B1B2-4269-B9DD-0D986E72E374}" type="datetimeFigureOut">
               <a:rPr lang="zh-CN" altLang="en-US" smtClean="0"/>
               <a:t>2024/3/10</a:t>
             </a:fld>
@@ -2075,7 +2075,7 @@
           <p:cNvPr id="3" name="页脚占位符 2">
             <a:extLst>
               <a:ext uri="{FF2B5EF4-FFF2-40B4-BE49-F238E27FC236}">
-                <a16:creationId xmlns:a16="http://schemas.microsoft.com/office/drawing/2014/main" id="{DC8AFA55-31AC-3ABA-69D8-755B0DF8AE39}"/>
+                <a16:creationId xmlns:a16="http://schemas.microsoft.com/office/drawing/2014/main" id="{6BCD2ED3-FAAE-F5C5-2D14-CEA4112BD6B8}"/>
               </a:ext>
             </a:extLst>
           </p:cNvPr>
@@ -2100,7 +2100,7 @@
           <p:cNvPr id="4" name="灯片编号占位符 3">
             <a:extLst>
               <a:ext uri="{FF2B5EF4-FFF2-40B4-BE49-F238E27FC236}">
-                <a16:creationId xmlns:a16="http://schemas.microsoft.com/office/drawing/2014/main" id="{722CFA08-907E-5487-B91D-8ABEC14070AC}"/>
+                <a16:creationId xmlns:a16="http://schemas.microsoft.com/office/drawing/2014/main" id="{841849E4-50DA-E256-867D-AAB95DF68CF5}"/>
               </a:ext>
             </a:extLst>
           </p:cNvPr>
@@ -2116,7 +2116,7 @@
           <a:bodyPr/>
           <a:lstStyle/>
           <a:p>
-            <a:fld id="{4B5632C4-D04A-4E20-8B5E-A605DA89A315}" type="slidenum">
+            <a:fld id="{A79A2D81-F956-4855-9BF2-282D8572403B}" type="slidenum">
               <a:rPr lang="zh-CN" altLang="en-US" smtClean="0"/>
               <a:t>‹#›</a:t>
             </a:fld>
@@ -2127,7 +2127,7 @@
     </p:spTree>
     <p:extLst>
       <p:ext uri="{BB962C8B-B14F-4D97-AF65-F5344CB8AC3E}">
-        <p14:creationId xmlns:p14="http://schemas.microsoft.com/office/powerpoint/2010/main" val="2643245231"/>
+        <p14:creationId xmlns:p14="http://schemas.microsoft.com/office/powerpoint/2010/main" val="3442619897"/>
       </p:ext>
     </p:extLst>
   </p:cSld>
@@ -2159,7 +2159,7 @@
           <p:cNvPr id="2" name="标题 1">
             <a:extLst>
               <a:ext uri="{FF2B5EF4-FFF2-40B4-BE49-F238E27FC236}">
-                <a16:creationId xmlns:a16="http://schemas.microsoft.com/office/drawing/2014/main" id="{692CDD40-5EB0-39BF-3869-5675EAFC1D00}"/>
+                <a16:creationId xmlns:a16="http://schemas.microsoft.com/office/drawing/2014/main" id="{AF0FFE19-BC15-079B-60D2-119676BBD741}"/>
               </a:ext>
             </a:extLst>
           </p:cNvPr>
@@ -2196,7 +2196,7 @@
           <p:cNvPr id="3" name="内容占位符 2">
             <a:extLst>
               <a:ext uri="{FF2B5EF4-FFF2-40B4-BE49-F238E27FC236}">
-                <a16:creationId xmlns:a16="http://schemas.microsoft.com/office/drawing/2014/main" id="{02A84102-FD3F-019F-BBC5-3E6F88425A01}"/>
+                <a16:creationId xmlns:a16="http://schemas.microsoft.com/office/drawing/2014/main" id="{8FA4D42A-E395-8FFE-BB88-DFD19A5751D8}"/>
               </a:ext>
             </a:extLst>
           </p:cNvPr>
@@ -2286,7 +2286,7 @@
           <p:cNvPr id="4" name="文本占位符 3">
             <a:extLst>
               <a:ext uri="{FF2B5EF4-FFF2-40B4-BE49-F238E27FC236}">
-                <a16:creationId xmlns:a16="http://schemas.microsoft.com/office/drawing/2014/main" id="{C9043F6D-4F86-4014-2B09-DCE158FBA740}"/>
+                <a16:creationId xmlns:a16="http://schemas.microsoft.com/office/drawing/2014/main" id="{2C9ADD1A-73E2-2E85-91C4-122CFC5DBEC7}"/>
               </a:ext>
             </a:extLst>
           </p:cNvPr>
@@ -2357,7 +2357,7 @@
           <p:cNvPr id="5" name="日期占位符 4">
             <a:extLst>
               <a:ext uri="{FF2B5EF4-FFF2-40B4-BE49-F238E27FC236}">
-                <a16:creationId xmlns:a16="http://schemas.microsoft.com/office/drawing/2014/main" id="{6EBA7132-E32F-F620-04C1-B98E1FB641D9}"/>
+                <a16:creationId xmlns:a16="http://schemas.microsoft.com/office/drawing/2014/main" id="{1AB9AACE-AAFD-FA0A-4B83-D4EFC528E210}"/>
               </a:ext>
             </a:extLst>
           </p:cNvPr>
@@ -2373,7 +2373,7 @@
           <a:bodyPr/>
           <a:lstStyle/>
           <a:p>
-            <a:fld id="{7F3F5D5F-C4EA-4517-8374-802A2584757A}" type="datetimeFigureOut">
+            <a:fld id="{AEA81FD3-B1B2-4269-B9DD-0D986E72E374}" type="datetimeFigureOut">
               <a:rPr lang="zh-CN" altLang="en-US" smtClean="0"/>
               <a:t>2024/3/10</a:t>
             </a:fld>
@@ -2386,7 +2386,7 @@
           <p:cNvPr id="6" name="页脚占位符 5">
             <a:extLst>
               <a:ext uri="{FF2B5EF4-FFF2-40B4-BE49-F238E27FC236}">
-                <a16:creationId xmlns:a16="http://schemas.microsoft.com/office/drawing/2014/main" id="{19B10343-B6DA-0CA5-38A4-D883C8A64B7C}"/>
+                <a16:creationId xmlns:a16="http://schemas.microsoft.com/office/drawing/2014/main" id="{C91C9BAD-0D92-5AE6-4DF7-53DD5498B106}"/>
               </a:ext>
             </a:extLst>
           </p:cNvPr>
@@ -2411,7 +2411,7 @@
           <p:cNvPr id="7" name="灯片编号占位符 6">
             <a:extLst>
               <a:ext uri="{FF2B5EF4-FFF2-40B4-BE49-F238E27FC236}">
-                <a16:creationId xmlns:a16="http://schemas.microsoft.com/office/drawing/2014/main" id="{88F1F779-7FF1-A3E7-B52D-85D7BCF5F6EC}"/>
+                <a16:creationId xmlns:a16="http://schemas.microsoft.com/office/drawing/2014/main" id="{1D59360B-09D6-E9AD-D438-0AA7D3F5E5FF}"/>
               </a:ext>
             </a:extLst>
           </p:cNvPr>
@@ -2427,7 +2427,7 @@
           <a:bodyPr/>
           <a:lstStyle/>
           <a:p>
-            <a:fld id="{4B5632C4-D04A-4E20-8B5E-A605DA89A315}" type="slidenum">
+            <a:fld id="{A79A2D81-F956-4855-9BF2-282D8572403B}" type="slidenum">
               <a:rPr lang="zh-CN" altLang="en-US" smtClean="0"/>
               <a:t>‹#›</a:t>
             </a:fld>
@@ -2438,7 +2438,7 @@
     </p:spTree>
     <p:extLst>
       <p:ext uri="{BB962C8B-B14F-4D97-AF65-F5344CB8AC3E}">
-        <p14:creationId xmlns:p14="http://schemas.microsoft.com/office/powerpoint/2010/main" val="4082973005"/>
+        <p14:creationId xmlns:p14="http://schemas.microsoft.com/office/powerpoint/2010/main" val="2550628185"/>
       </p:ext>
     </p:extLst>
   </p:cSld>
@@ -2470,7 +2470,7 @@
           <p:cNvPr id="2" name="标题 1">
             <a:extLst>
               <a:ext uri="{FF2B5EF4-FFF2-40B4-BE49-F238E27FC236}">
-                <a16:creationId xmlns:a16="http://schemas.microsoft.com/office/drawing/2014/main" id="{8161B0B3-6D7E-8A81-BD4D-7519B7F2A3C4}"/>
+                <a16:creationId xmlns:a16="http://schemas.microsoft.com/office/drawing/2014/main" id="{E9AAD09D-DF09-F91B-146C-73CCD3E39050}"/>
               </a:ext>
             </a:extLst>
           </p:cNvPr>
@@ -2507,7 +2507,7 @@
           <p:cNvPr id="3" name="图片占位符 2">
             <a:extLst>
               <a:ext uri="{FF2B5EF4-FFF2-40B4-BE49-F238E27FC236}">
-                <a16:creationId xmlns:a16="http://schemas.microsoft.com/office/drawing/2014/main" id="{EB8C1016-5893-985F-CF96-7324DD38F57C}"/>
+                <a16:creationId xmlns:a16="http://schemas.microsoft.com/office/drawing/2014/main" id="{8F6A670F-F039-6A2B-3F4E-52BBD416C428}"/>
               </a:ext>
             </a:extLst>
           </p:cNvPr>
@@ -2574,7 +2574,7 @@
           <p:cNvPr id="4" name="文本占位符 3">
             <a:extLst>
               <a:ext uri="{FF2B5EF4-FFF2-40B4-BE49-F238E27FC236}">
-                <a16:creationId xmlns:a16="http://schemas.microsoft.com/office/drawing/2014/main" id="{66478113-CCF0-3B49-193B-EF7DD693E369}"/>
+                <a16:creationId xmlns:a16="http://schemas.microsoft.com/office/drawing/2014/main" id="{2992128A-536E-2456-963E-834EC40437B8}"/>
               </a:ext>
             </a:extLst>
           </p:cNvPr>
@@ -2645,7 +2645,7 @@
           <p:cNvPr id="5" name="日期占位符 4">
             <a:extLst>
               <a:ext uri="{FF2B5EF4-FFF2-40B4-BE49-F238E27FC236}">
-                <a16:creationId xmlns:a16="http://schemas.microsoft.com/office/drawing/2014/main" id="{D80ECB77-9C93-5D7D-712F-CA214A30A885}"/>
+                <a16:creationId xmlns:a16="http://schemas.microsoft.com/office/drawing/2014/main" id="{DB0D99C2-F25F-5F76-6F61-17EA219C2EAF}"/>
               </a:ext>
             </a:extLst>
           </p:cNvPr>
@@ -2661,7 +2661,7 @@
           <a:bodyPr/>
           <a:lstStyle/>
           <a:p>
-            <a:fld id="{7F3F5D5F-C4EA-4517-8374-802A2584757A}" type="datetimeFigureOut">
+            <a:fld id="{AEA81FD3-B1B2-4269-B9DD-0D986E72E374}" type="datetimeFigureOut">
               <a:rPr lang="zh-CN" altLang="en-US" smtClean="0"/>
               <a:t>2024/3/10</a:t>
             </a:fld>
@@ -2674,7 +2674,7 @@
           <p:cNvPr id="6" name="页脚占位符 5">
             <a:extLst>
               <a:ext uri="{FF2B5EF4-FFF2-40B4-BE49-F238E27FC236}">
-                <a16:creationId xmlns:a16="http://schemas.microsoft.com/office/drawing/2014/main" id="{4A6265B1-4679-5FAF-059B-77B72A66CB5E}"/>
+                <a16:creationId xmlns:a16="http://schemas.microsoft.com/office/drawing/2014/main" id="{A93862AE-E5C7-ADB5-A8C6-C46A18D6A2D6}"/>
               </a:ext>
             </a:extLst>
           </p:cNvPr>
@@ -2699,7 +2699,7 @@
           <p:cNvPr id="7" name="灯片编号占位符 6">
             <a:extLst>
               <a:ext uri="{FF2B5EF4-FFF2-40B4-BE49-F238E27FC236}">
-                <a16:creationId xmlns:a16="http://schemas.microsoft.com/office/drawing/2014/main" id="{0ACAA19C-A9B6-A41D-A508-0D90D1F4C3B7}"/>
+                <a16:creationId xmlns:a16="http://schemas.microsoft.com/office/drawing/2014/main" id="{DBA5BB7A-7CD7-5453-35DB-20B0D827B9C6}"/>
               </a:ext>
             </a:extLst>
           </p:cNvPr>
@@ -2715,7 +2715,7 @@
           <a:bodyPr/>
           <a:lstStyle/>
           <a:p>
-            <a:fld id="{4B5632C4-D04A-4E20-8B5E-A605DA89A315}" type="slidenum">
+            <a:fld id="{A79A2D81-F956-4855-9BF2-282D8572403B}" type="slidenum">
               <a:rPr lang="zh-CN" altLang="en-US" smtClean="0"/>
               <a:t>‹#›</a:t>
             </a:fld>
@@ -2726,7 +2726,7 @@
     </p:spTree>
     <p:extLst>
       <p:ext uri="{BB962C8B-B14F-4D97-AF65-F5344CB8AC3E}">
-        <p14:creationId xmlns:p14="http://schemas.microsoft.com/office/powerpoint/2010/main" val="923131471"/>
+        <p14:creationId xmlns:p14="http://schemas.microsoft.com/office/powerpoint/2010/main" val="359833298"/>
       </p:ext>
     </p:extLst>
   </p:cSld>
@@ -2763,7 +2763,7 @@
           <p:cNvPr id="2" name="标题占位符 1">
             <a:extLst>
               <a:ext uri="{FF2B5EF4-FFF2-40B4-BE49-F238E27FC236}">
-                <a16:creationId xmlns:a16="http://schemas.microsoft.com/office/drawing/2014/main" id="{DA55C8F2-C501-7A7D-CC31-6F13508DC365}"/>
+                <a16:creationId xmlns:a16="http://schemas.microsoft.com/office/drawing/2014/main" id="{0B4B6212-05A2-0640-2406-1B2998557201}"/>
               </a:ext>
             </a:extLst>
           </p:cNvPr>
@@ -2801,7 +2801,7 @@
           <p:cNvPr id="3" name="文本占位符 2">
             <a:extLst>
               <a:ext uri="{FF2B5EF4-FFF2-40B4-BE49-F238E27FC236}">
-                <a16:creationId xmlns:a16="http://schemas.microsoft.com/office/drawing/2014/main" id="{75621B52-4E84-D374-30B5-CFC49411C90C}"/>
+                <a16:creationId xmlns:a16="http://schemas.microsoft.com/office/drawing/2014/main" id="{1D8F3CCC-7548-4CFB-E763-1976C734FA4F}"/>
               </a:ext>
             </a:extLst>
           </p:cNvPr>
@@ -2868,7 +2868,7 @@
           <p:cNvPr id="4" name="日期占位符 3">
             <a:extLst>
               <a:ext uri="{FF2B5EF4-FFF2-40B4-BE49-F238E27FC236}">
-                <a16:creationId xmlns:a16="http://schemas.microsoft.com/office/drawing/2014/main" id="{3204DDA6-B2B7-FED0-DEE8-46B8300614DE}"/>
+                <a16:creationId xmlns:a16="http://schemas.microsoft.com/office/drawing/2014/main" id="{8DA353D3-95EB-82B2-0733-DB986C361F42}"/>
               </a:ext>
             </a:extLst>
           </p:cNvPr>
@@ -2902,7 +2902,7 @@
             </a:lvl1pPr>
           </a:lstStyle>
           <a:p>
-            <a:fld id="{7F3F5D5F-C4EA-4517-8374-802A2584757A}" type="datetimeFigureOut">
+            <a:fld id="{AEA81FD3-B1B2-4269-B9DD-0D986E72E374}" type="datetimeFigureOut">
               <a:rPr lang="zh-CN" altLang="en-US" smtClean="0"/>
               <a:t>2024/3/10</a:t>
             </a:fld>
@@ -2915,7 +2915,7 @@
           <p:cNvPr id="5" name="页脚占位符 4">
             <a:extLst>
               <a:ext uri="{FF2B5EF4-FFF2-40B4-BE49-F238E27FC236}">
-                <a16:creationId xmlns:a16="http://schemas.microsoft.com/office/drawing/2014/main" id="{7CBD1938-8D37-0FA9-C218-DCE5D21E60F4}"/>
+                <a16:creationId xmlns:a16="http://schemas.microsoft.com/office/drawing/2014/main" id="{D13B5C13-F5BC-9A5C-C23F-224B1C9F0B78}"/>
               </a:ext>
             </a:extLst>
           </p:cNvPr>
@@ -2958,7 +2958,7 @@
           <p:cNvPr id="6" name="灯片编号占位符 5">
             <a:extLst>
               <a:ext uri="{FF2B5EF4-FFF2-40B4-BE49-F238E27FC236}">
-                <a16:creationId xmlns:a16="http://schemas.microsoft.com/office/drawing/2014/main" id="{253EE7BB-80D0-3399-886B-CCC6355931E5}"/>
+                <a16:creationId xmlns:a16="http://schemas.microsoft.com/office/drawing/2014/main" id="{BDEA6592-52D8-454D-D330-F39024BA3890}"/>
               </a:ext>
             </a:extLst>
           </p:cNvPr>
@@ -2992,7 +2992,7 @@
             </a:lvl1pPr>
           </a:lstStyle>
           <a:p>
-            <a:fld id="{4B5632C4-D04A-4E20-8B5E-A605DA89A315}" type="slidenum">
+            <a:fld id="{A79A2D81-F956-4855-9BF2-282D8572403B}" type="slidenum">
               <a:rPr lang="zh-CN" altLang="en-US" smtClean="0"/>
               <a:t>‹#›</a:t>
             </a:fld>
@@ -3003,7 +3003,7 @@
     </p:spTree>
     <p:extLst>
       <p:ext uri="{BB962C8B-B14F-4D97-AF65-F5344CB8AC3E}">
-        <p14:creationId xmlns:p14="http://schemas.microsoft.com/office/powerpoint/2010/main" val="3532974348"/>
+        <p14:creationId xmlns:p14="http://schemas.microsoft.com/office/powerpoint/2010/main" val="2846115817"/>
       </p:ext>
     </p:extLst>
   </p:cSld>
